--- a/01-Introduction-into-Course.pptx
+++ b/01-Introduction-into-Course.pptx
@@ -8,12 +8,9 @@
     <p:sldId id="256" r:id="rId2"/>
     <p:sldId id="258" r:id="rId3"/>
     <p:sldId id="257" r:id="rId4"/>
-    <p:sldId id="262" r:id="rId5"/>
-    <p:sldId id="264" r:id="rId6"/>
-    <p:sldId id="259" r:id="rId7"/>
-    <p:sldId id="260" r:id="rId8"/>
-    <p:sldId id="261" r:id="rId9"/>
-    <p:sldId id="265" r:id="rId10"/>
+    <p:sldId id="259" r:id="rId5"/>
+    <p:sldId id="260" r:id="rId6"/>
+    <p:sldId id="261" r:id="rId7"/>
   </p:sldIdLst>
   <p:sldSz cx="9144000" cy="6858000" type="screen4x3"/>
   <p:notesSz cx="6858000" cy="9144000"/>
@@ -312,7 +309,7 @@
           <a:p>
             <a:fld id="{3EA744D9-3FBE-48D8-BF2A-85DF203E4D20}" type="datetimeFigureOut">
               <a:rPr lang="bg-BG" smtClean="0"/>
-              <a:t>27.4.2015 г.</a:t>
+              <a:t>16.11.2015 г.</a:t>
             </a:fld>
             <a:endParaRPr lang="bg-BG"/>
           </a:p>
@@ -482,7 +479,7 @@
           <a:p>
             <a:fld id="{3EA744D9-3FBE-48D8-BF2A-85DF203E4D20}" type="datetimeFigureOut">
               <a:rPr lang="bg-BG" smtClean="0"/>
-              <a:t>27.4.2015 г.</a:t>
+              <a:t>16.11.2015 г.</a:t>
             </a:fld>
             <a:endParaRPr lang="bg-BG"/>
           </a:p>
@@ -662,7 +659,7 @@
           <a:p>
             <a:fld id="{3EA744D9-3FBE-48D8-BF2A-85DF203E4D20}" type="datetimeFigureOut">
               <a:rPr lang="bg-BG" smtClean="0"/>
-              <a:t>27.4.2015 г.</a:t>
+              <a:t>16.11.2015 г.</a:t>
             </a:fld>
             <a:endParaRPr lang="bg-BG"/>
           </a:p>
@@ -832,7 +829,7 @@
           <a:p>
             <a:fld id="{3EA744D9-3FBE-48D8-BF2A-85DF203E4D20}" type="datetimeFigureOut">
               <a:rPr lang="bg-BG" smtClean="0"/>
-              <a:t>27.4.2015 г.</a:t>
+              <a:t>16.11.2015 г.</a:t>
             </a:fld>
             <a:endParaRPr lang="bg-BG"/>
           </a:p>
@@ -1078,7 +1075,7 @@
           <a:p>
             <a:fld id="{3EA744D9-3FBE-48D8-BF2A-85DF203E4D20}" type="datetimeFigureOut">
               <a:rPr lang="bg-BG" smtClean="0"/>
-              <a:t>27.4.2015 г.</a:t>
+              <a:t>16.11.2015 г.</a:t>
             </a:fld>
             <a:endParaRPr lang="bg-BG"/>
           </a:p>
@@ -1366,7 +1363,7 @@
           <a:p>
             <a:fld id="{3EA744D9-3FBE-48D8-BF2A-85DF203E4D20}" type="datetimeFigureOut">
               <a:rPr lang="bg-BG" smtClean="0"/>
-              <a:t>27.4.2015 г.</a:t>
+              <a:t>16.11.2015 г.</a:t>
             </a:fld>
             <a:endParaRPr lang="bg-BG"/>
           </a:p>
@@ -1788,7 +1785,7 @@
           <a:p>
             <a:fld id="{3EA744D9-3FBE-48D8-BF2A-85DF203E4D20}" type="datetimeFigureOut">
               <a:rPr lang="bg-BG" smtClean="0"/>
-              <a:t>27.4.2015 г.</a:t>
+              <a:t>16.11.2015 г.</a:t>
             </a:fld>
             <a:endParaRPr lang="bg-BG"/>
           </a:p>
@@ -1906,7 +1903,7 @@
           <a:p>
             <a:fld id="{3EA744D9-3FBE-48D8-BF2A-85DF203E4D20}" type="datetimeFigureOut">
               <a:rPr lang="bg-BG" smtClean="0"/>
-              <a:t>27.4.2015 г.</a:t>
+              <a:t>16.11.2015 г.</a:t>
             </a:fld>
             <a:endParaRPr lang="bg-BG"/>
           </a:p>
@@ -2001,7 +1998,7 @@
           <a:p>
             <a:fld id="{3EA744D9-3FBE-48D8-BF2A-85DF203E4D20}" type="datetimeFigureOut">
               <a:rPr lang="bg-BG" smtClean="0"/>
-              <a:t>27.4.2015 г.</a:t>
+              <a:t>16.11.2015 г.</a:t>
             </a:fld>
             <a:endParaRPr lang="bg-BG"/>
           </a:p>
@@ -2278,7 +2275,7 @@
           <a:p>
             <a:fld id="{3EA744D9-3FBE-48D8-BF2A-85DF203E4D20}" type="datetimeFigureOut">
               <a:rPr lang="bg-BG" smtClean="0"/>
-              <a:t>27.4.2015 г.</a:t>
+              <a:t>16.11.2015 г.</a:t>
             </a:fld>
             <a:endParaRPr lang="bg-BG"/>
           </a:p>
@@ -2531,7 +2528,7 @@
           <a:p>
             <a:fld id="{3EA744D9-3FBE-48D8-BF2A-85DF203E4D20}" type="datetimeFigureOut">
               <a:rPr lang="bg-BG" smtClean="0"/>
-              <a:t>27.4.2015 г.</a:t>
+              <a:t>16.11.2015 г.</a:t>
             </a:fld>
             <a:endParaRPr lang="bg-BG"/>
           </a:p>
@@ -2753,7 +2750,7 @@
           <a:p>
             <a:fld id="{3EA744D9-3FBE-48D8-BF2A-85DF203E4D20}" type="datetimeFigureOut">
               <a:rPr lang="bg-BG" smtClean="0"/>
-              <a:t>27.4.2015 г.</a:t>
+              <a:t>16.11.2015 г.</a:t>
             </a:fld>
             <a:endParaRPr lang="bg-BG"/>
           </a:p>
@@ -3154,35 +3151,12 @@
               <a:t>Курс по </a:t>
             </a:r>
             <a:r>
-              <a:rPr lang="ru-RU" dirty="0" smtClean="0">
+              <a:rPr lang="en-US" dirty="0" smtClean="0">
                 <a:solidFill>
                   <a:schemeClr val="accent6"/>
                 </a:solidFill>
               </a:rPr>
-              <a:t>програмиране</a:t>
-            </a:r>
-            <a:br>
-              <a:rPr lang="ru-RU" dirty="0" smtClean="0">
-                <a:solidFill>
-                  <a:schemeClr val="accent6"/>
-                </a:solidFill>
-              </a:rPr>
-            </a:br>
-            <a:r>
-              <a:rPr lang="ru-RU" dirty="0" smtClean="0">
-                <a:solidFill>
-                  <a:schemeClr val="accent6"/>
-                </a:solidFill>
-              </a:rPr>
-              <a:t>на С</a:t>
-            </a:r>
-            <a:r>
-              <a:rPr lang="en-US" dirty="0" smtClean="0">
-                <a:solidFill>
-                  <a:schemeClr val="accent6"/>
-                </a:solidFill>
-              </a:rPr>
-              <a:t>#</a:t>
+              <a:t>C#</a:t>
             </a:r>
             <a:endParaRPr lang="bg-BG" dirty="0">
               <a:solidFill>
@@ -3202,33 +3176,27 @@
             <p:ph type="subTitle" idx="1"/>
           </p:nvPr>
         </p:nvSpPr>
-        <p:spPr>
-          <a:xfrm>
-            <a:off x="1371600" y="3886200"/>
-            <a:ext cx="6400800" cy="685800"/>
-          </a:xfrm>
-        </p:spPr>
+        <p:spPr/>
         <p:txBody>
           <a:bodyPr/>
           <a:lstStyle/>
           <a:p>
             <a:r>
               <a:rPr lang="bg-BG" dirty="0" smtClean="0"/>
-              <a:t>Първи стъпки </a:t>
+              <a:t>Основи на </a:t>
+            </a:r>
+            <a:r>
+              <a:rPr lang="en-US" dirty="0" smtClean="0"/>
+              <a:t>C# </a:t>
             </a:r>
             <a:r>
               <a:rPr lang="bg-BG" dirty="0" smtClean="0"/>
-              <a:t>във .</a:t>
-            </a:r>
-            <a:r>
-              <a:rPr lang="en-US" dirty="0" smtClean="0"/>
-              <a:t>NET</a:t>
-            </a:r>
-            <a:r>
-              <a:rPr lang="en-US" dirty="0"/>
-              <a:t>!</a:t>
+              <a:t>програмирането</a:t>
             </a:r>
             <a:endParaRPr lang="en-US" dirty="0"/>
+          </a:p>
+          <a:p>
+            <a:endParaRPr lang="bg-BG" dirty="0"/>
           </a:p>
         </p:txBody>
       </p:sp>
@@ -3345,43 +3313,6 @@
               </a:rPr>
               <a:t>програмиране</a:t>
             </a:r>
-            <a:r>
-              <a:rPr lang="en-US" dirty="0" smtClean="0">
-                <a:solidFill>
-                  <a:schemeClr val="bg1">
-                    <a:lumMod val="95000"/>
-                  </a:schemeClr>
-                </a:solidFill>
-              </a:rPr>
-              <a:t> </a:t>
-            </a:r>
-            <a:r>
-              <a:rPr lang="bg-BG" dirty="0" smtClean="0">
-                <a:solidFill>
-                  <a:schemeClr val="bg1">
-                    <a:lumMod val="95000"/>
-                  </a:schemeClr>
-                </a:solidFill>
-              </a:rPr>
-              <a:t>със С</a:t>
-            </a:r>
-            <a:r>
-              <a:rPr lang="en-US" dirty="0" smtClean="0">
-                <a:solidFill>
-                  <a:schemeClr val="bg1">
-                    <a:lumMod val="95000"/>
-                  </a:schemeClr>
-                </a:solidFill>
-              </a:rPr>
-              <a:t>#</a:t>
-            </a:r>
-            <a:endParaRPr lang="bg-BG" dirty="0" smtClean="0">
-              <a:solidFill>
-                <a:schemeClr val="bg1">
-                  <a:lumMod val="95000"/>
-                </a:schemeClr>
-              </a:solidFill>
-            </a:endParaRPr>
           </a:p>
           <a:p>
             <a:pPr>
@@ -3396,35 +3327,18 @@
                   </a:schemeClr>
                 </a:solidFill>
               </a:rPr>
-              <a:t>Запознаване с </a:t>
-            </a:r>
-            <a:r>
-              <a:rPr lang="en-US" dirty="0" smtClean="0">
+              <a:t>Запознаване с писането </a:t>
+            </a:r>
+            <a:r>
+              <a:rPr lang="bg-BG" dirty="0">
                 <a:solidFill>
                   <a:schemeClr val="bg1">
                     <a:lumMod val="95000"/>
                   </a:schemeClr>
                 </a:solidFill>
               </a:rPr>
-              <a:t>advanced C# </a:t>
-            </a:r>
-            <a:r>
-              <a:rPr lang="bg-BG" dirty="0" smtClean="0">
-                <a:solidFill>
-                  <a:schemeClr val="bg1">
-                    <a:lumMod val="95000"/>
-                  </a:schemeClr>
-                </a:solidFill>
-              </a:rPr>
-              <a:t>техники и познания</a:t>
-            </a:r>
-            <a:endParaRPr lang="bg-BG" dirty="0">
-              <a:solidFill>
-                <a:schemeClr val="bg1">
-                  <a:lumMod val="95000"/>
-                </a:schemeClr>
-              </a:solidFill>
-            </a:endParaRPr>
+              <a:t>на програмен код</a:t>
+            </a:r>
           </a:p>
           <a:p>
             <a:pPr>
@@ -3510,7 +3424,7 @@
         </p:nvSpPr>
         <p:spPr>
           <a:xfrm>
-            <a:off x="457200" y="685800"/>
+            <a:off x="838200" y="685800"/>
             <a:ext cx="8229600" cy="1143000"/>
           </a:xfrm>
         </p:spPr>
@@ -3520,36 +3434,12 @@
           <a:p>
             <a:pPr algn="l"/>
             <a:r>
-              <a:rPr lang="bg-BG" dirty="0" smtClean="0">
+              <a:rPr lang="bg-BG" dirty="0">
                 <a:solidFill>
                   <a:schemeClr val="accent6"/>
                 </a:solidFill>
               </a:rPr>
-              <a:t>Провеждане</a:t>
-            </a:r>
-            <a:r>
-              <a:rPr lang="en-US" dirty="0" smtClean="0">
-                <a:solidFill>
-                  <a:schemeClr val="accent6"/>
-                </a:solidFill>
-              </a:rPr>
-              <a:t> </a:t>
-            </a:r>
-            <a:r>
-              <a:rPr lang="bg-BG" dirty="0" smtClean="0">
-                <a:solidFill>
-                  <a:schemeClr val="accent6"/>
-                </a:solidFill>
-              </a:rPr>
-              <a:t>на </a:t>
-            </a:r>
-            <a:r>
-              <a:rPr lang="bg-BG" dirty="0">
-                <a:solidFill>
-                  <a:schemeClr val="accent6"/>
-                </a:solidFill>
-              </a:rPr>
-              <a:t>часовете в курса</a:t>
+              <a:t>Провеждане часовете в курса</a:t>
             </a:r>
           </a:p>
         </p:txBody>
@@ -3586,17 +3476,7 @@
                   </a:schemeClr>
                 </a:solidFill>
               </a:rPr>
-              <a:t>Всеки понеделник и </a:t>
-            </a:r>
-            <a:r>
-              <a:rPr lang="bg-BG" dirty="0" smtClean="0">
-                <a:solidFill>
-                  <a:schemeClr val="bg1">
-                    <a:lumMod val="95000"/>
-                  </a:schemeClr>
-                </a:solidFill>
-              </a:rPr>
-              <a:t>петък 19:00 </a:t>
+              <a:t>Всеки понеделник и четвъртък 19:00 </a:t>
             </a:r>
             <a:r>
               <a:rPr lang="bg-BG" dirty="0">
@@ -3629,7 +3509,7 @@
                   </a:schemeClr>
                 </a:solidFill>
               </a:rPr>
-              <a:t>27. </a:t>
+              <a:t>16.11. </a:t>
             </a:r>
             <a:r>
               <a:rPr lang="bg-BG" dirty="0">
@@ -3639,7 +3519,7 @@
                   </a:schemeClr>
                 </a:solidFill>
               </a:rPr>
-              <a:t>04. 2015 – </a:t>
+              <a:t>2015 – </a:t>
             </a:r>
             <a:r>
               <a:rPr lang="bg-BG" dirty="0" smtClean="0">
@@ -3649,7 +3529,7 @@
                   </a:schemeClr>
                 </a:solidFill>
               </a:rPr>
-              <a:t>13.</a:t>
+              <a:t>31.</a:t>
             </a:r>
             <a:r>
               <a:rPr lang="en-US" dirty="0" smtClean="0">
@@ -3662,24 +3542,34 @@
               <a:t> 0</a:t>
             </a:r>
             <a:r>
-              <a:rPr lang="bg-BG" dirty="0" smtClean="0">
+              <a:rPr lang="bg-BG" dirty="0">
                 <a:solidFill>
                   <a:schemeClr val="bg1">
                     <a:lumMod val="95000"/>
                   </a:schemeClr>
                 </a:solidFill>
               </a:rPr>
-              <a:t>5. </a:t>
-            </a:r>
-            <a:r>
-              <a:rPr lang="bg-BG" dirty="0">
+              <a:t>1</a:t>
+            </a:r>
+            <a:r>
+              <a:rPr lang="bg-BG" dirty="0" smtClean="0">
                 <a:solidFill>
                   <a:schemeClr val="bg1">
                     <a:lumMod val="95000"/>
                   </a:schemeClr>
                 </a:solidFill>
               </a:rPr>
-              <a:t>2015 – </a:t>
+              <a:t>. 2016 </a:t>
+            </a:r>
+            <a:r>
+              <a:rPr lang="bg-BG" dirty="0">
+                <a:solidFill>
+                  <a:schemeClr val="bg1">
+                    <a:lumMod val="95000"/>
+                  </a:schemeClr>
+                </a:solidFill>
+              </a:rPr>
+              <a:t>– </a:t>
             </a:r>
             <a:r>
               <a:rPr lang="bg-BG" dirty="0" smtClean="0">
@@ -3712,7 +3602,7 @@
                   </a:schemeClr>
                 </a:solidFill>
               </a:rPr>
-              <a:t>26. 06. </a:t>
+              <a:t>25. 01. 2016 </a:t>
             </a:r>
             <a:r>
               <a:rPr lang="bg-BG" dirty="0">
@@ -3722,7 +3612,7 @@
                   </a:schemeClr>
                 </a:solidFill>
               </a:rPr>
-              <a:t>2015 – подготовка за изпит</a:t>
+              <a:t>– подготовка за изпит</a:t>
             </a:r>
           </a:p>
           <a:p>
@@ -3738,17 +3628,57 @@
                   </a:schemeClr>
                 </a:solidFill>
               </a:rPr>
-              <a:t>29. 06. </a:t>
-            </a:r>
-            <a:r>
-              <a:rPr lang="bg-BG" dirty="0">
+              <a:t>28. </a:t>
+            </a:r>
+            <a:r>
+              <a:rPr lang="bg-BG" dirty="0" smtClean="0">
                 <a:solidFill>
                   <a:schemeClr val="bg1">
                     <a:lumMod val="95000"/>
                   </a:schemeClr>
                 </a:solidFill>
               </a:rPr>
-              <a:t>2015 – изпит (тест и задача)</a:t>
+              <a:t>0</a:t>
+            </a:r>
+            <a:r>
+              <a:rPr lang="en-US" dirty="0" smtClean="0">
+                <a:solidFill>
+                  <a:schemeClr val="bg1">
+                    <a:lumMod val="95000"/>
+                  </a:schemeClr>
+                </a:solidFill>
+              </a:rPr>
+              <a:t>1</a:t>
+            </a:r>
+            <a:r>
+              <a:rPr lang="bg-BG" dirty="0" smtClean="0">
+                <a:solidFill>
+                  <a:schemeClr val="bg1">
+                    <a:lumMod val="95000"/>
+                  </a:schemeClr>
+                </a:solidFill>
+              </a:rPr>
+              <a:t>. </a:t>
+            </a:r>
+            <a:r>
+              <a:rPr lang="bg-BG" dirty="0" smtClean="0">
+                <a:solidFill>
+                  <a:schemeClr val="bg1">
+                    <a:lumMod val="95000"/>
+                  </a:schemeClr>
+                </a:solidFill>
+              </a:rPr>
+              <a:t>2016 </a:t>
+            </a:r>
+            <a:r>
+              <a:rPr lang="bg-BG" dirty="0">
+                <a:solidFill>
+                  <a:schemeClr val="bg1">
+                    <a:lumMod val="95000"/>
+                  </a:schemeClr>
+                </a:solidFill>
+              </a:rPr>
+              <a:t>– изпит (тест и задача)</a:t>
             </a:r>
           </a:p>
         </p:txBody>
@@ -3800,448 +3730,6 @@
             <p:ph type="title"/>
           </p:nvPr>
         </p:nvSpPr>
-        <p:spPr/>
-        <p:txBody>
-          <a:bodyPr/>
-          <a:lstStyle/>
-          <a:p>
-            <a:r>
-              <a:rPr lang="bg-BG" dirty="0" smtClean="0">
-                <a:solidFill>
-                  <a:schemeClr val="accent6"/>
-                </a:solidFill>
-              </a:rPr>
-              <a:t>Програма </a:t>
-            </a:r>
-            <a:r>
-              <a:rPr lang="bg-BG" dirty="0">
-                <a:solidFill>
-                  <a:schemeClr val="accent6"/>
-                </a:solidFill>
-              </a:rPr>
-              <a:t>на курса</a:t>
-            </a:r>
-            <a:endParaRPr lang="en-US" dirty="0"/>
-          </a:p>
-        </p:txBody>
-      </p:sp>
-      <p:sp>
-        <p:nvSpPr>
-          <p:cNvPr id="3" name="Content Placeholder 2"/>
-          <p:cNvSpPr>
-            <a:spLocks noGrp="1"/>
-          </p:cNvSpPr>
-          <p:nvPr>
-            <p:ph idx="1"/>
-          </p:nvPr>
-        </p:nvSpPr>
-        <p:spPr>
-          <a:xfrm>
-            <a:off x="457200" y="1295400"/>
-            <a:ext cx="8229600" cy="5257800"/>
-          </a:xfrm>
-        </p:spPr>
-        <p:txBody>
-          <a:bodyPr>
-            <a:normAutofit fontScale="92500" lnSpcReduction="20000"/>
-          </a:bodyPr>
-          <a:lstStyle/>
-          <a:p>
-            <a:pPr marL="514350" indent="-514350" fontAlgn="base">
-              <a:buFont typeface="+mj-lt"/>
-              <a:buAutoNum type="arabicPeriod"/>
-            </a:pPr>
-            <a:r>
-              <a:rPr lang="ru-RU" sz="3500" dirty="0">
-                <a:solidFill>
-                  <a:schemeClr val="bg1"/>
-                </a:solidFill>
-              </a:rPr>
-              <a:t>Въведение в курса. Въведение в програмирането</a:t>
-            </a:r>
-          </a:p>
-          <a:p>
-            <a:pPr marL="514350" indent="-514350" fontAlgn="base">
-              <a:buFont typeface="+mj-lt"/>
-              <a:buAutoNum type="arabicPeriod"/>
-            </a:pPr>
-            <a:r>
-              <a:rPr lang="ru-RU" sz="3500" dirty="0">
-                <a:solidFill>
-                  <a:schemeClr val="bg1"/>
-                </a:solidFill>
-              </a:rPr>
-              <a:t>Език за програмиране C#, платформата .NET  и среда  за разработване Visual Studio</a:t>
-            </a:r>
-          </a:p>
-          <a:p>
-            <a:pPr marL="514350" indent="-514350" fontAlgn="base">
-              <a:buFont typeface="+mj-lt"/>
-              <a:buAutoNum type="arabicPeriod"/>
-            </a:pPr>
-            <a:r>
-              <a:rPr lang="ru-RU" sz="3500" dirty="0">
-                <a:solidFill>
-                  <a:schemeClr val="bg1"/>
-                </a:solidFill>
-              </a:rPr>
-              <a:t>Типове данни, променливи и оператори</a:t>
-            </a:r>
-          </a:p>
-          <a:p>
-            <a:pPr marL="514350" indent="-514350" fontAlgn="base">
-              <a:buFont typeface="+mj-lt"/>
-              <a:buAutoNum type="arabicPeriod"/>
-            </a:pPr>
-            <a:r>
-              <a:rPr lang="ru-RU" sz="3500" dirty="0">
-                <a:solidFill>
-                  <a:schemeClr val="bg1"/>
-                </a:solidFill>
-              </a:rPr>
-              <a:t>Условни конструкции и цикли</a:t>
-            </a:r>
-          </a:p>
-          <a:p>
-            <a:pPr marL="514350" indent="-514350" fontAlgn="base">
-              <a:buFont typeface="+mj-lt"/>
-              <a:buAutoNum type="arabicPeriod"/>
-            </a:pPr>
-            <a:r>
-              <a:rPr lang="ru-RU" sz="3500" dirty="0">
-                <a:solidFill>
-                  <a:schemeClr val="bg1"/>
-                </a:solidFill>
-              </a:rPr>
-              <a:t>Масиви</a:t>
-            </a:r>
-          </a:p>
-          <a:p>
-            <a:pPr marL="514350" indent="-514350" fontAlgn="base">
-              <a:buFont typeface="+mj-lt"/>
-              <a:buAutoNum type="arabicPeriod"/>
-            </a:pPr>
-            <a:r>
-              <a:rPr lang="ru-RU" sz="3500" dirty="0">
-                <a:solidFill>
-                  <a:schemeClr val="bg1"/>
-                </a:solidFill>
-              </a:rPr>
-              <a:t>Основи на алгоритмите</a:t>
-            </a:r>
-          </a:p>
-          <a:p>
-            <a:pPr marL="514350" indent="-514350" fontAlgn="base">
-              <a:buFont typeface="+mj-lt"/>
-              <a:buAutoNum type="arabicPeriod"/>
-            </a:pPr>
-            <a:r>
-              <a:rPr lang="ru-RU" sz="3500" dirty="0">
-                <a:solidFill>
-                  <a:schemeClr val="bg1"/>
-                </a:solidFill>
-              </a:rPr>
-              <a:t>Класове и обекти</a:t>
-            </a:r>
-          </a:p>
-          <a:p>
-            <a:pPr marL="514350" indent="-514350" fontAlgn="base">
-              <a:buFont typeface="+mj-lt"/>
-              <a:buAutoNum type="arabicPeriod"/>
-            </a:pPr>
-            <a:r>
-              <a:rPr lang="ru-RU" sz="3500" dirty="0">
-                <a:solidFill>
-                  <a:schemeClr val="bg1"/>
-                </a:solidFill>
-              </a:rPr>
-              <a:t>Обектно ориентирано програмиране</a:t>
-            </a:r>
-          </a:p>
-          <a:p>
-            <a:pPr marL="514350" indent="-514350" fontAlgn="base">
-              <a:buFont typeface="+mj-lt"/>
-              <a:buAutoNum type="arabicPeriod"/>
-            </a:pPr>
-            <a:r>
-              <a:rPr lang="ru-RU" sz="3500" dirty="0">
-                <a:solidFill>
-                  <a:schemeClr val="bg1"/>
-                </a:solidFill>
-              </a:rPr>
-              <a:t>Методи и рекурсия</a:t>
-            </a:r>
-          </a:p>
-          <a:p>
-            <a:endParaRPr lang="en-US" dirty="0"/>
-          </a:p>
-        </p:txBody>
-      </p:sp>
-    </p:spTree>
-    <p:extLst>
-      <p:ext uri="{BB962C8B-B14F-4D97-AF65-F5344CB8AC3E}">
-        <p14:creationId xmlns:p14="http://schemas.microsoft.com/office/powerpoint/2010/main" val="1801425137"/>
-      </p:ext>
-    </p:extLst>
-  </p:cSld>
-  <p:clrMapOvr>
-    <a:masterClrMapping/>
-  </p:clrMapOvr>
-</p:sld>
-</file>
-
-<file path=ppt/slides/slide5.xml><?xml version="1.0" encoding="utf-8"?>
-<p:sld xmlns:a="http://schemas.openxmlformats.org/drawingml/2006/main" xmlns:r="http://schemas.openxmlformats.org/officeDocument/2006/relationships" xmlns:p="http://schemas.openxmlformats.org/presentationml/2006/main">
-  <p:cSld>
-    <p:spTree>
-      <p:nvGrpSpPr>
-        <p:cNvPr id="1" name=""/>
-        <p:cNvGrpSpPr/>
-        <p:nvPr/>
-      </p:nvGrpSpPr>
-      <p:grpSpPr>
-        <a:xfrm>
-          <a:off x="0" y="0"/>
-          <a:ext cx="0" cy="0"/>
-          <a:chOff x="0" y="0"/>
-          <a:chExt cx="0" cy="0"/>
-        </a:xfrm>
-      </p:grpSpPr>
-      <p:sp>
-        <p:nvSpPr>
-          <p:cNvPr id="2" name="Title 1"/>
-          <p:cNvSpPr>
-            <a:spLocks noGrp="1"/>
-          </p:cNvSpPr>
-          <p:nvPr>
-            <p:ph type="title"/>
-          </p:nvPr>
-        </p:nvSpPr>
-        <p:spPr/>
-        <p:txBody>
-          <a:bodyPr/>
-          <a:lstStyle/>
-          <a:p>
-            <a:r>
-              <a:rPr lang="bg-BG" dirty="0" smtClean="0">
-                <a:solidFill>
-                  <a:schemeClr val="accent6"/>
-                </a:solidFill>
-              </a:rPr>
-              <a:t>Програма </a:t>
-            </a:r>
-            <a:r>
-              <a:rPr lang="bg-BG" dirty="0">
-                <a:solidFill>
-                  <a:schemeClr val="accent6"/>
-                </a:solidFill>
-              </a:rPr>
-              <a:t>на курса</a:t>
-            </a:r>
-            <a:endParaRPr lang="en-US" dirty="0"/>
-          </a:p>
-        </p:txBody>
-      </p:sp>
-      <p:sp>
-        <p:nvSpPr>
-          <p:cNvPr id="3" name="Content Placeholder 2"/>
-          <p:cNvSpPr>
-            <a:spLocks noGrp="1"/>
-          </p:cNvSpPr>
-          <p:nvPr>
-            <p:ph idx="1"/>
-          </p:nvPr>
-        </p:nvSpPr>
-        <p:spPr>
-          <a:xfrm>
-            <a:off x="457200" y="1219200"/>
-            <a:ext cx="8229600" cy="5334000"/>
-          </a:xfrm>
-        </p:spPr>
-        <p:txBody>
-          <a:bodyPr>
-            <a:normAutofit lnSpcReduction="10000"/>
-          </a:bodyPr>
-          <a:lstStyle/>
-          <a:p>
-            <a:pPr marL="514350" indent="-514350" fontAlgn="base">
-              <a:buFont typeface="+mj-lt"/>
-              <a:buAutoNum type="arabicPeriod" startAt="10"/>
-            </a:pPr>
-            <a:r>
-              <a:rPr lang="ru-RU" dirty="0" smtClean="0">
-                <a:solidFill>
-                  <a:schemeClr val="bg1"/>
-                </a:solidFill>
-              </a:rPr>
-              <a:t>Стрингове </a:t>
-            </a:r>
-            <a:r>
-              <a:rPr lang="ru-RU" dirty="0">
-                <a:solidFill>
-                  <a:schemeClr val="bg1"/>
-                </a:solidFill>
-              </a:rPr>
-              <a:t>и обработка на текст</a:t>
-            </a:r>
-          </a:p>
-          <a:p>
-            <a:pPr marL="514350" indent="-514350" fontAlgn="base">
-              <a:buFont typeface="+mj-lt"/>
-              <a:buAutoNum type="arabicPeriod" startAt="10"/>
-            </a:pPr>
-            <a:r>
-              <a:rPr lang="ru-RU" dirty="0">
-                <a:solidFill>
-                  <a:schemeClr val="bg1"/>
-                </a:solidFill>
-              </a:rPr>
-              <a:t>Структури от данни и колекции</a:t>
-            </a:r>
-          </a:p>
-          <a:p>
-            <a:pPr marL="514350" indent="-514350" fontAlgn="base">
-              <a:buFont typeface="+mj-lt"/>
-              <a:buAutoNum type="arabicPeriod" startAt="10"/>
-            </a:pPr>
-            <a:r>
-              <a:rPr lang="ru-RU" dirty="0">
-                <a:solidFill>
-                  <a:schemeClr val="bg1"/>
-                </a:solidFill>
-              </a:rPr>
-              <a:t>Шаблони за дизайн</a:t>
-            </a:r>
-          </a:p>
-          <a:p>
-            <a:pPr marL="514350" indent="-514350" fontAlgn="base">
-              <a:buFont typeface="+mj-lt"/>
-              <a:buAutoNum type="arabicPeriod" startAt="10"/>
-            </a:pPr>
-            <a:r>
-              <a:rPr lang="ru-RU" dirty="0">
-                <a:solidFill>
-                  <a:schemeClr val="bg1"/>
-                </a:solidFill>
-              </a:rPr>
-              <a:t>Обработка на грешки и изключения</a:t>
-            </a:r>
-          </a:p>
-          <a:p>
-            <a:pPr marL="514350" indent="-514350" fontAlgn="base">
-              <a:buFont typeface="+mj-lt"/>
-              <a:buAutoNum type="arabicPeriod" startAt="10"/>
-            </a:pPr>
-            <a:r>
-              <a:rPr lang="ru-RU" dirty="0">
-                <a:solidFill>
-                  <a:schemeClr val="bg1"/>
-                </a:solidFill>
-              </a:rPr>
-              <a:t>Многонишково програмиране</a:t>
-            </a:r>
-          </a:p>
-          <a:p>
-            <a:pPr marL="514350" indent="-514350" fontAlgn="base">
-              <a:buFont typeface="+mj-lt"/>
-              <a:buAutoNum type="arabicPeriod" startAt="10"/>
-            </a:pPr>
-            <a:r>
-              <a:rPr lang="ru-RU" dirty="0">
-                <a:solidFill>
-                  <a:schemeClr val="bg1"/>
-                </a:solidFill>
-              </a:rPr>
-              <a:t>Изграждане на практически проект</a:t>
-            </a:r>
-          </a:p>
-          <a:p>
-            <a:pPr marL="514350" indent="-514350" fontAlgn="base">
-              <a:buFont typeface="+mj-lt"/>
-              <a:buAutoNum type="arabicPeriod" startAt="10"/>
-            </a:pPr>
-            <a:r>
-              <a:rPr lang="ru-RU" dirty="0">
-                <a:solidFill>
-                  <a:schemeClr val="bg1"/>
-                </a:solidFill>
-              </a:rPr>
-              <a:t>Работа в екип и създаване на съвместен проект</a:t>
-            </a:r>
-          </a:p>
-          <a:p>
-            <a:pPr marL="514350" indent="-514350" fontAlgn="base">
-              <a:buFont typeface="+mj-lt"/>
-              <a:buAutoNum type="arabicPeriod" startAt="10"/>
-            </a:pPr>
-            <a:r>
-              <a:rPr lang="ru-RU" dirty="0">
-                <a:solidFill>
-                  <a:schemeClr val="bg1"/>
-                </a:solidFill>
-              </a:rPr>
-              <a:t>Преговор и подготовка за изпит</a:t>
-            </a:r>
-          </a:p>
-          <a:p>
-            <a:pPr marL="514350" indent="-514350" fontAlgn="base">
-              <a:buFont typeface="+mj-lt"/>
-              <a:buAutoNum type="arabicPeriod" startAt="10"/>
-            </a:pPr>
-            <a:r>
-              <a:rPr lang="ru-RU" dirty="0">
-                <a:solidFill>
-                  <a:schemeClr val="bg1"/>
-                </a:solidFill>
-              </a:rPr>
-              <a:t>Изпит</a:t>
-            </a:r>
-          </a:p>
-          <a:p>
-            <a:endParaRPr lang="en-US" dirty="0"/>
-          </a:p>
-        </p:txBody>
-      </p:sp>
-    </p:spTree>
-    <p:extLst>
-      <p:ext uri="{BB962C8B-B14F-4D97-AF65-F5344CB8AC3E}">
-        <p14:creationId xmlns:p14="http://schemas.microsoft.com/office/powerpoint/2010/main" val="1267856614"/>
-      </p:ext>
-    </p:extLst>
-  </p:cSld>
-  <p:clrMapOvr>
-    <a:masterClrMapping/>
-  </p:clrMapOvr>
-</p:sld>
-</file>
-
-<file path=ppt/slides/slide6.xml><?xml version="1.0" encoding="utf-8"?>
-<p:sld xmlns:a="http://schemas.openxmlformats.org/drawingml/2006/main" xmlns:r="http://schemas.openxmlformats.org/officeDocument/2006/relationships" xmlns:p="http://schemas.openxmlformats.org/presentationml/2006/main">
-  <p:cSld>
-    <p:spTree>
-      <p:nvGrpSpPr>
-        <p:cNvPr id="1" name=""/>
-        <p:cNvGrpSpPr/>
-        <p:nvPr/>
-      </p:nvGrpSpPr>
-      <p:grpSpPr>
-        <a:xfrm>
-          <a:off x="0" y="0"/>
-          <a:ext cx="0" cy="0"/>
-          <a:chOff x="0" y="0"/>
-          <a:chExt cx="0" cy="0"/>
-        </a:xfrm>
-      </p:grpSpPr>
-      <p:sp>
-        <p:nvSpPr>
-          <p:cNvPr id="2" name="Title 1"/>
-          <p:cNvSpPr>
-            <a:spLocks noGrp="1"/>
-          </p:cNvSpPr>
-          <p:nvPr>
-            <p:ph type="title"/>
-          </p:nvPr>
-        </p:nvSpPr>
         <p:spPr>
           <a:xfrm>
             <a:off x="838200" y="685800"/>
@@ -4259,13 +3747,16 @@
                   <a:schemeClr val="accent6"/>
                 </a:solidFill>
               </a:rPr>
-              <a:t>Как ще протече курса</a:t>
-            </a:r>
-            <a:endParaRPr lang="bg-BG" dirty="0">
-              <a:solidFill>
-                <a:schemeClr val="accent6"/>
-              </a:solidFill>
-            </a:endParaRPr>
+              <a:t>План-програма </a:t>
+            </a:r>
+            <a:r>
+              <a:rPr lang="bg-BG" dirty="0">
+                <a:solidFill>
+                  <a:schemeClr val="accent6"/>
+                </a:solidFill>
+              </a:rPr>
+              <a:t>на курса</a:t>
+            </a:r>
           </a:p>
         </p:txBody>
       </p:sp>
@@ -4384,7 +3875,7 @@
 </p:sld>
 </file>
 
-<file path=ppt/slides/slide7.xml><?xml version="1.0" encoding="utf-8"?>
+<file path=ppt/slides/slide5.xml><?xml version="1.0" encoding="utf-8"?>
 <p:sld xmlns:a="http://schemas.openxmlformats.org/drawingml/2006/main" xmlns:r="http://schemas.openxmlformats.org/officeDocument/2006/relationships" xmlns:p="http://schemas.openxmlformats.org/presentationml/2006/main">
   <p:cSld>
     <p:spTree>
@@ -4646,7 +4137,7 @@
 </p:sld>
 </file>
 
-<file path=ppt/slides/slide8.xml><?xml version="1.0" encoding="utf-8"?>
+<file path=ppt/slides/slide6.xml><?xml version="1.0" encoding="utf-8"?>
 <p:sld xmlns:a="http://schemas.openxmlformats.org/drawingml/2006/main" xmlns:r="http://schemas.openxmlformats.org/officeDocument/2006/relationships" xmlns:p="http://schemas.openxmlformats.org/presentationml/2006/main">
   <p:cSld>
     <p:spTree>
@@ -4707,13 +4198,13 @@
         </p:nvSpPr>
         <p:spPr>
           <a:xfrm>
-            <a:off x="762000" y="1524000"/>
-            <a:ext cx="7620000" cy="4678363"/>
+            <a:off x="762000" y="1676400"/>
+            <a:ext cx="7620000" cy="4525963"/>
           </a:xfrm>
         </p:spPr>
         <p:txBody>
           <a:bodyPr>
-            <a:normAutofit fontScale="92500" lnSpcReduction="10000"/>
+            <a:normAutofit fontScale="92500"/>
           </a:bodyPr>
           <a:lstStyle/>
           <a:p>
@@ -4760,52 +4251,6 @@
               <a:buFont typeface="Wingdings" panose="05000000000000000000" pitchFamily="2" charset="2"/>
               <a:buChar char="§"/>
             </a:pPr>
-            <a:r>
-              <a:rPr lang="en-US" dirty="0" smtClean="0">
-                <a:solidFill>
-                  <a:schemeClr val="bg1">
-                    <a:lumMod val="95000"/>
-                  </a:schemeClr>
-                </a:solidFill>
-              </a:rPr>
-              <a:t>Soft </a:t>
-            </a:r>
-            <a:r>
-              <a:rPr lang="en-US" dirty="0">
-                <a:solidFill>
-                  <a:schemeClr val="bg1">
-                    <a:lumMod val="95000"/>
-                  </a:schemeClr>
-                </a:solidFill>
-              </a:rPr>
-              <a:t>Intellect Academy</a:t>
-            </a:r>
-            <a:r>
-              <a:rPr lang="bg-BG" dirty="0">
-                <a:solidFill>
-                  <a:schemeClr val="bg1">
-                    <a:lumMod val="95000"/>
-                  </a:schemeClr>
-                </a:solidFill>
-              </a:rPr>
-              <a:t>	</a:t>
-            </a:r>
-          </a:p>
-          <a:p>
-            <a:pPr>
-              <a:buFont typeface="Wingdings" panose="05000000000000000000" pitchFamily="2" charset="2"/>
-              <a:buChar char="§"/>
-            </a:pPr>
-            <a:r>
-              <a:rPr lang="bg-BG" dirty="0">
-                <a:solidFill>
-                  <a:schemeClr val="bg1">
-                    <a:lumMod val="95000"/>
-                  </a:schemeClr>
-                </a:solidFill>
-              </a:rPr>
-              <a:t>Е-поща: </a:t>
-            </a:r>
             <a:endParaRPr lang="en-US" dirty="0" smtClean="0">
               <a:solidFill>
                 <a:schemeClr val="bg1">
@@ -4815,7 +4260,7 @@
             </a:endParaRPr>
           </a:p>
           <a:p>
-            <a:pPr lvl="1">
+            <a:pPr>
               <a:buFont typeface="Wingdings" panose="05000000000000000000" pitchFamily="2" charset="2"/>
               <a:buChar char="§"/>
             </a:pPr>
@@ -4827,7 +4272,7 @@
                   </a:schemeClr>
                 </a:solidFill>
               </a:rPr>
-              <a:t>academy </a:t>
+              <a:t>Soft </a:t>
             </a:r>
             <a:r>
               <a:rPr lang="en-US" dirty="0">
@@ -4837,99 +4282,73 @@
                   </a:schemeClr>
                 </a:solidFill>
               </a:rPr>
-              <a:t>[at] soft-intellect [dot] </a:t>
-            </a:r>
-            <a:r>
-              <a:rPr lang="en-US" dirty="0" smtClean="0">
+              <a:t>Intellect Academy</a:t>
+            </a:r>
+            <a:r>
+              <a:rPr lang="bg-BG" dirty="0">
                 <a:solidFill>
                   <a:schemeClr val="bg1">
                     <a:lumMod val="95000"/>
                   </a:schemeClr>
                 </a:solidFill>
               </a:rPr>
-              <a:t>com</a:t>
-            </a:r>
-          </a:p>
-          <a:p>
-            <a:pPr lvl="1">
+              <a:t>	</a:t>
+            </a:r>
+          </a:p>
+          <a:p>
+            <a:pPr>
               <a:buFont typeface="Wingdings" panose="05000000000000000000" pitchFamily="2" charset="2"/>
               <a:buChar char="§"/>
             </a:pPr>
             <a:r>
-              <a:rPr lang="en-US" dirty="0" smtClean="0">
+              <a:rPr lang="bg-BG" dirty="0">
                 <a:solidFill>
                   <a:schemeClr val="bg1">
                     <a:lumMod val="95000"/>
                   </a:schemeClr>
                 </a:solidFill>
               </a:rPr>
-              <a:t>student</a:t>
-            </a:r>
-            <a:r>
-              <a:rPr lang="en-US" dirty="0" smtClean="0">
+              <a:t>Е-поща: </a:t>
+            </a:r>
+            <a:r>
+              <a:rPr lang="en-US" dirty="0">
                 <a:solidFill>
                   <a:schemeClr val="bg1">
                     <a:lumMod val="95000"/>
                   </a:schemeClr>
                 </a:solidFill>
               </a:rPr>
-              <a:t>[at</a:t>
-            </a:r>
-            <a:r>
-              <a:rPr lang="en-US" dirty="0">
+              <a:t>academy [at] soft-intellect [dot] com </a:t>
+            </a:r>
+            <a:r>
+              <a:rPr lang="bg-BG" dirty="0">
                 <a:solidFill>
                   <a:schemeClr val="bg1">
                     <a:lumMod val="95000"/>
                   </a:schemeClr>
                 </a:solidFill>
               </a:rPr>
-              <a:t>] soft-intellect [dot] </a:t>
-            </a:r>
-            <a:r>
-              <a:rPr lang="en-US" dirty="0" smtClean="0">
+              <a:t>и </a:t>
+            </a:r>
+            <a:r>
+              <a:rPr lang="en-US" dirty="0" err="1">
                 <a:solidFill>
                   <a:schemeClr val="bg1">
                     <a:lumMod val="95000"/>
                   </a:schemeClr>
                 </a:solidFill>
               </a:rPr>
-              <a:t>com</a:t>
-            </a:r>
-          </a:p>
-          <a:p>
-            <a:pPr lvl="1">
-              <a:buFont typeface="Wingdings" panose="05000000000000000000" pitchFamily="2" charset="2"/>
-              <a:buChar char="§"/>
-            </a:pPr>
-            <a:r>
-              <a:rPr lang="en-US" dirty="0" err="1" smtClean="0">
+              <a:t>soft.intellect.academy</a:t>
+            </a:r>
+            <a:r>
+              <a:rPr lang="en-US" dirty="0">
                 <a:solidFill>
                   <a:schemeClr val="bg1">
                     <a:lumMod val="95000"/>
                   </a:schemeClr>
                 </a:solidFill>
               </a:rPr>
-              <a:t>soft.intellect.academy</a:t>
-            </a:r>
-            <a:r>
-              <a:rPr lang="en-US" dirty="0" smtClean="0">
-                <a:solidFill>
-                  <a:schemeClr val="bg1">
-                    <a:lumMod val="95000"/>
-                  </a:schemeClr>
-                </a:solidFill>
-              </a:rPr>
-              <a:t> </a:t>
-            </a:r>
-            <a:r>
-              <a:rPr lang="en-US" dirty="0">
-                <a:solidFill>
-                  <a:schemeClr val="bg1">
-                    <a:lumMod val="95000"/>
-                  </a:schemeClr>
-                </a:solidFill>
-              </a:rPr>
-              <a:t>[at] gmail [dot] com </a:t>
+              <a:t> [at] gmail [dot] com </a:t>
             </a:r>
             <a:endParaRPr lang="bg-BG" dirty="0">
               <a:solidFill>
@@ -5013,7 +4432,7 @@
         </p:blipFill>
         <p:spPr bwMode="auto">
           <a:xfrm>
-            <a:off x="1908174" y="990600"/>
+            <a:off x="1835149" y="1441450"/>
             <a:ext cx="5327651" cy="2520950"/>
           </a:xfrm>
           <a:prstGeom prst="rect">
@@ -5048,189 +4467,6 @@
       </p:par>
     </p:tnLst>
   </p:timing>
-</p:sld>
-</file>
-
-<file path=ppt/slides/slide9.xml><?xml version="1.0" encoding="utf-8"?>
-<p:sld xmlns:a="http://schemas.openxmlformats.org/drawingml/2006/main" xmlns:r="http://schemas.openxmlformats.org/officeDocument/2006/relationships" xmlns:p="http://schemas.openxmlformats.org/presentationml/2006/main">
-  <p:cSld>
-    <p:spTree>
-      <p:nvGrpSpPr>
-        <p:cNvPr id="1" name=""/>
-        <p:cNvGrpSpPr/>
-        <p:nvPr/>
-      </p:nvGrpSpPr>
-      <p:grpSpPr>
-        <a:xfrm>
-          <a:off x="0" y="0"/>
-          <a:ext cx="0" cy="0"/>
-          <a:chOff x="0" y="0"/>
-          <a:chExt cx="0" cy="0"/>
-        </a:xfrm>
-      </p:grpSpPr>
-      <p:sp>
-        <p:nvSpPr>
-          <p:cNvPr id="2" name="Title 1"/>
-          <p:cNvSpPr>
-            <a:spLocks noGrp="1"/>
-          </p:cNvSpPr>
-          <p:nvPr>
-            <p:ph type="title"/>
-          </p:nvPr>
-        </p:nvSpPr>
-        <p:spPr>
-          <a:xfrm>
-            <a:off x="838200" y="685800"/>
-            <a:ext cx="8229600" cy="1143000"/>
-          </a:xfrm>
-        </p:spPr>
-        <p:txBody>
-          <a:bodyPr/>
-          <a:lstStyle/>
-          <a:p>
-            <a:pPr algn="l"/>
-            <a:r>
-              <a:rPr lang="bg-BG" dirty="0" smtClean="0">
-                <a:solidFill>
-                  <a:schemeClr val="accent6"/>
-                </a:solidFill>
-              </a:rPr>
-              <a:t>Въпроси</a:t>
-            </a:r>
-            <a:endParaRPr lang="bg-BG" dirty="0">
-              <a:solidFill>
-                <a:schemeClr val="accent6"/>
-              </a:solidFill>
-            </a:endParaRPr>
-          </a:p>
-        </p:txBody>
-      </p:sp>
-      <p:sp>
-        <p:nvSpPr>
-          <p:cNvPr id="3" name="Content Placeholder 2"/>
-          <p:cNvSpPr>
-            <a:spLocks noGrp="1"/>
-          </p:cNvSpPr>
-          <p:nvPr>
-            <p:ph idx="1"/>
-          </p:nvPr>
-        </p:nvSpPr>
-        <p:spPr>
-          <a:xfrm>
-            <a:off x="762000" y="1676400"/>
-            <a:ext cx="7620000" cy="4525963"/>
-          </a:xfrm>
-        </p:spPr>
-        <p:txBody>
-          <a:bodyPr>
-            <a:normAutofit/>
-          </a:bodyPr>
-          <a:lstStyle/>
-          <a:p>
-            <a:pPr>
-              <a:buFont typeface="Wingdings" panose="05000000000000000000" pitchFamily="2" charset="2"/>
-              <a:buChar char="§"/>
-            </a:pPr>
-            <a:endParaRPr lang="en-US" dirty="0">
-              <a:solidFill>
-                <a:schemeClr val="bg1">
-                  <a:lumMod val="95000"/>
-                </a:schemeClr>
-              </a:solidFill>
-            </a:endParaRPr>
-          </a:p>
-          <a:p>
-            <a:pPr>
-              <a:buFont typeface="Wingdings" panose="05000000000000000000" pitchFamily="2" charset="2"/>
-              <a:buChar char="§"/>
-            </a:pPr>
-            <a:endParaRPr lang="en-US" dirty="0">
-              <a:solidFill>
-                <a:schemeClr val="bg1">
-                  <a:lumMod val="95000"/>
-                </a:schemeClr>
-              </a:solidFill>
-            </a:endParaRPr>
-          </a:p>
-          <a:p>
-            <a:pPr>
-              <a:buFont typeface="Wingdings" panose="05000000000000000000" pitchFamily="2" charset="2"/>
-              <a:buChar char="§"/>
-            </a:pPr>
-            <a:endParaRPr lang="en-US" dirty="0">
-              <a:solidFill>
-                <a:schemeClr val="bg1">
-                  <a:lumMod val="95000"/>
-                </a:schemeClr>
-              </a:solidFill>
-            </a:endParaRPr>
-          </a:p>
-          <a:p>
-            <a:pPr>
-              <a:buFont typeface="Wingdings" panose="05000000000000000000" pitchFamily="2" charset="2"/>
-              <a:buChar char="§"/>
-            </a:pPr>
-            <a:endParaRPr lang="en-US" dirty="0">
-              <a:solidFill>
-                <a:schemeClr val="bg1">
-                  <a:lumMod val="95000"/>
-                </a:schemeClr>
-              </a:solidFill>
-            </a:endParaRPr>
-          </a:p>
-        </p:txBody>
-      </p:sp>
-      <p:pic>
-        <p:nvPicPr>
-          <p:cNvPr id="1027" name="Picture 3" descr="C:\Users\Lazar\Desktop\01-red-question-mark1.jpg"/>
-          <p:cNvPicPr>
-            <a:picLocks noChangeAspect="1" noChangeArrowheads="1"/>
-          </p:cNvPicPr>
-          <p:nvPr/>
-        </p:nvPicPr>
-        <p:blipFill>
-          <a:blip r:embed="rId2" cstate="print">
-            <a:extLst>
-              <a:ext uri="{28A0092B-C50C-407E-A947-70E740481C1C}">
-                <a14:useLocalDpi xmlns:a14="http://schemas.microsoft.com/office/drawing/2010/main" val="0"/>
-              </a:ext>
-            </a:extLst>
-          </a:blip>
-          <a:srcRect/>
-          <a:stretch>
-            <a:fillRect/>
-          </a:stretch>
-        </p:blipFill>
-        <p:spPr bwMode="auto">
-          <a:xfrm>
-            <a:off x="3505200" y="2057400"/>
-            <a:ext cx="2419082" cy="2419082"/>
-          </a:xfrm>
-          <a:prstGeom prst="rect">
-            <a:avLst/>
-          </a:prstGeom>
-          <a:noFill/>
-          <a:extLst>
-            <a:ext uri="{909E8E84-426E-40DD-AFC4-6F175D3DCCD1}">
-              <a14:hiddenFill xmlns:a14="http://schemas.microsoft.com/office/drawing/2010/main">
-                <a:solidFill>
-                  <a:srgbClr val="FFFFFF"/>
-                </a:solidFill>
-              </a14:hiddenFill>
-            </a:ext>
-          </a:extLst>
-        </p:spPr>
-      </p:pic>
-    </p:spTree>
-    <p:extLst>
-      <p:ext uri="{BB962C8B-B14F-4D97-AF65-F5344CB8AC3E}">
-        <p14:creationId xmlns:p14="http://schemas.microsoft.com/office/powerpoint/2010/main" val="121547254"/>
-      </p:ext>
-    </p:extLst>
-  </p:cSld>
-  <p:clrMapOvr>
-    <a:masterClrMapping/>
-  </p:clrMapOvr>
 </p:sld>
 </file>
 

--- a/01-Introduction-into-Course.pptx
+++ b/01-Introduction-into-Course.pptx
@@ -309,7 +309,7 @@
           <a:p>
             <a:fld id="{3EA744D9-3FBE-48D8-BF2A-85DF203E4D20}" type="datetimeFigureOut">
               <a:rPr lang="bg-BG" smtClean="0"/>
-              <a:t>16.11.2015 г.</a:t>
+              <a:t>6.12.2016 г.</a:t>
             </a:fld>
             <a:endParaRPr lang="bg-BG"/>
           </a:p>
@@ -479,7 +479,7 @@
           <a:p>
             <a:fld id="{3EA744D9-3FBE-48D8-BF2A-85DF203E4D20}" type="datetimeFigureOut">
               <a:rPr lang="bg-BG" smtClean="0"/>
-              <a:t>16.11.2015 г.</a:t>
+              <a:t>6.12.2016 г.</a:t>
             </a:fld>
             <a:endParaRPr lang="bg-BG"/>
           </a:p>
@@ -659,7 +659,7 @@
           <a:p>
             <a:fld id="{3EA744D9-3FBE-48D8-BF2A-85DF203E4D20}" type="datetimeFigureOut">
               <a:rPr lang="bg-BG" smtClean="0"/>
-              <a:t>16.11.2015 г.</a:t>
+              <a:t>6.12.2016 г.</a:t>
             </a:fld>
             <a:endParaRPr lang="bg-BG"/>
           </a:p>
@@ -829,7 +829,7 @@
           <a:p>
             <a:fld id="{3EA744D9-3FBE-48D8-BF2A-85DF203E4D20}" type="datetimeFigureOut">
               <a:rPr lang="bg-BG" smtClean="0"/>
-              <a:t>16.11.2015 г.</a:t>
+              <a:t>6.12.2016 г.</a:t>
             </a:fld>
             <a:endParaRPr lang="bg-BG"/>
           </a:p>
@@ -1075,7 +1075,7 @@
           <a:p>
             <a:fld id="{3EA744D9-3FBE-48D8-BF2A-85DF203E4D20}" type="datetimeFigureOut">
               <a:rPr lang="bg-BG" smtClean="0"/>
-              <a:t>16.11.2015 г.</a:t>
+              <a:t>6.12.2016 г.</a:t>
             </a:fld>
             <a:endParaRPr lang="bg-BG"/>
           </a:p>
@@ -1363,7 +1363,7 @@
           <a:p>
             <a:fld id="{3EA744D9-3FBE-48D8-BF2A-85DF203E4D20}" type="datetimeFigureOut">
               <a:rPr lang="bg-BG" smtClean="0"/>
-              <a:t>16.11.2015 г.</a:t>
+              <a:t>6.12.2016 г.</a:t>
             </a:fld>
             <a:endParaRPr lang="bg-BG"/>
           </a:p>
@@ -1785,7 +1785,7 @@
           <a:p>
             <a:fld id="{3EA744D9-3FBE-48D8-BF2A-85DF203E4D20}" type="datetimeFigureOut">
               <a:rPr lang="bg-BG" smtClean="0"/>
-              <a:t>16.11.2015 г.</a:t>
+              <a:t>6.12.2016 г.</a:t>
             </a:fld>
             <a:endParaRPr lang="bg-BG"/>
           </a:p>
@@ -1903,7 +1903,7 @@
           <a:p>
             <a:fld id="{3EA744D9-3FBE-48D8-BF2A-85DF203E4D20}" type="datetimeFigureOut">
               <a:rPr lang="bg-BG" smtClean="0"/>
-              <a:t>16.11.2015 г.</a:t>
+              <a:t>6.12.2016 г.</a:t>
             </a:fld>
             <a:endParaRPr lang="bg-BG"/>
           </a:p>
@@ -1998,7 +1998,7 @@
           <a:p>
             <a:fld id="{3EA744D9-3FBE-48D8-BF2A-85DF203E4D20}" type="datetimeFigureOut">
               <a:rPr lang="bg-BG" smtClean="0"/>
-              <a:t>16.11.2015 г.</a:t>
+              <a:t>6.12.2016 г.</a:t>
             </a:fld>
             <a:endParaRPr lang="bg-BG"/>
           </a:p>
@@ -2275,7 +2275,7 @@
           <a:p>
             <a:fld id="{3EA744D9-3FBE-48D8-BF2A-85DF203E4D20}" type="datetimeFigureOut">
               <a:rPr lang="bg-BG" smtClean="0"/>
-              <a:t>16.11.2015 г.</a:t>
+              <a:t>6.12.2016 г.</a:t>
             </a:fld>
             <a:endParaRPr lang="bg-BG"/>
           </a:p>
@@ -2528,7 +2528,7 @@
           <a:p>
             <a:fld id="{3EA744D9-3FBE-48D8-BF2A-85DF203E4D20}" type="datetimeFigureOut">
               <a:rPr lang="bg-BG" smtClean="0"/>
-              <a:t>16.11.2015 г.</a:t>
+              <a:t>6.12.2016 г.</a:t>
             </a:fld>
             <a:endParaRPr lang="bg-BG"/>
           </a:p>
@@ -2750,7 +2750,7 @@
           <a:p>
             <a:fld id="{3EA744D9-3FBE-48D8-BF2A-85DF203E4D20}" type="datetimeFigureOut">
               <a:rPr lang="bg-BG" smtClean="0"/>
-              <a:t>16.11.2015 г.</a:t>
+              <a:t>6.12.2016 г.</a:t>
             </a:fld>
             <a:endParaRPr lang="bg-BG"/>
           </a:p>
@@ -3476,7 +3476,37 @@
                   </a:schemeClr>
                 </a:solidFill>
               </a:rPr>
-              <a:t>Всеки понеделник и четвъртък 19:00 </a:t>
+              <a:t>Всеки понеделник и </a:t>
+            </a:r>
+            <a:r>
+              <a:rPr lang="bg-BG" dirty="0" smtClean="0">
+                <a:solidFill>
+                  <a:schemeClr val="bg1">
+                    <a:lumMod val="95000"/>
+                  </a:schemeClr>
+                </a:solidFill>
+              </a:rPr>
+              <a:t>сряда</a:t>
+            </a:r>
+            <a:r>
+              <a:rPr lang="bg-BG" dirty="0" smtClean="0">
+                <a:solidFill>
+                  <a:schemeClr val="bg1">
+                    <a:lumMod val="95000"/>
+                  </a:schemeClr>
+                </a:solidFill>
+              </a:rPr>
+              <a:t> </a:t>
+            </a:r>
+            <a:r>
+              <a:rPr lang="bg-BG" dirty="0" smtClean="0">
+                <a:solidFill>
+                  <a:schemeClr val="bg1">
+                    <a:lumMod val="95000"/>
+                  </a:schemeClr>
+                </a:solidFill>
+              </a:rPr>
+              <a:t>19:00 </a:t>
             </a:r>
             <a:r>
               <a:rPr lang="bg-BG" dirty="0">
@@ -3509,7 +3539,17 @@
                   </a:schemeClr>
                 </a:solidFill>
               </a:rPr>
-              <a:t>16.11. </a:t>
+              <a:t>06</a:t>
+            </a:r>
+            <a:r>
+              <a:rPr lang="bg-BG" dirty="0" smtClean="0">
+                <a:solidFill>
+                  <a:schemeClr val="bg1">
+                    <a:lumMod val="95000"/>
+                  </a:schemeClr>
+                </a:solidFill>
+              </a:rPr>
+              <a:t>.12. 2016 </a:t>
             </a:r>
             <a:r>
               <a:rPr lang="bg-BG" dirty="0">
@@ -3519,7 +3559,7 @@
                   </a:schemeClr>
                 </a:solidFill>
               </a:rPr>
-              <a:t>2015 – </a:t>
+              <a:t>– </a:t>
             </a:r>
             <a:r>
               <a:rPr lang="bg-BG" dirty="0" smtClean="0">
@@ -3529,7 +3569,17 @@
                   </a:schemeClr>
                 </a:solidFill>
               </a:rPr>
-              <a:t>31.</a:t>
+              <a:t>06</a:t>
+            </a:r>
+            <a:r>
+              <a:rPr lang="bg-BG" dirty="0" smtClean="0">
+                <a:solidFill>
+                  <a:schemeClr val="bg1">
+                    <a:lumMod val="95000"/>
+                  </a:schemeClr>
+                </a:solidFill>
+              </a:rPr>
+              <a:t>.</a:t>
             </a:r>
             <a:r>
               <a:rPr lang="en-US" dirty="0" smtClean="0">
@@ -3549,7 +3599,7 @@
                   </a:schemeClr>
                 </a:solidFill>
               </a:rPr>
-              <a:t>1</a:t>
+              <a:t>2</a:t>
             </a:r>
             <a:r>
               <a:rPr lang="bg-BG" dirty="0" smtClean="0">
@@ -3559,7 +3609,7 @@
                   </a:schemeClr>
                 </a:solidFill>
               </a:rPr>
-              <a:t>. 2016 </a:t>
+              <a:t>. 2017 </a:t>
             </a:r>
             <a:r>
               <a:rPr lang="bg-BG" dirty="0">
@@ -3602,7 +3652,17 @@
                   </a:schemeClr>
                 </a:solidFill>
               </a:rPr>
-              <a:t>25. 01. 2016 </a:t>
+              <a:t>08</a:t>
+            </a:r>
+            <a:r>
+              <a:rPr lang="bg-BG" dirty="0" smtClean="0">
+                <a:solidFill>
+                  <a:schemeClr val="bg1">
+                    <a:lumMod val="95000"/>
+                  </a:schemeClr>
+                </a:solidFill>
+              </a:rPr>
+              <a:t>. 02. 2017 </a:t>
             </a:r>
             <a:r>
               <a:rPr lang="bg-BG" dirty="0">
@@ -3628,7 +3688,7 @@
                   </a:schemeClr>
                 </a:solidFill>
               </a:rPr>
-              <a:t>28. </a:t>
+              <a:t>13</a:t>
             </a:r>
             <a:r>
               <a:rPr lang="bg-BG" dirty="0" smtClean="0">
@@ -3638,6 +3698,16 @@
                   </a:schemeClr>
                 </a:solidFill>
               </a:rPr>
+              <a:t>. </a:t>
+            </a:r>
+            <a:r>
+              <a:rPr lang="bg-BG" dirty="0" smtClean="0">
+                <a:solidFill>
+                  <a:schemeClr val="bg1">
+                    <a:lumMod val="95000"/>
+                  </a:schemeClr>
+                </a:solidFill>
+              </a:rPr>
               <a:t>0</a:t>
             </a:r>
             <a:r>
@@ -3668,7 +3738,7 @@
                   </a:schemeClr>
                 </a:solidFill>
               </a:rPr>
-              <a:t>2016 </a:t>
+              <a:t>2017 </a:t>
             </a:r>
             <a:r>
               <a:rPr lang="bg-BG" dirty="0">

--- a/01-Introduction-into-Course.pptx
+++ b/01-Introduction-into-Course.pptx
@@ -309,7 +309,7 @@
           <a:p>
             <a:fld id="{3EA744D9-3FBE-48D8-BF2A-85DF203E4D20}" type="datetimeFigureOut">
               <a:rPr lang="bg-BG" smtClean="0"/>
-              <a:t>6.12.2016 г.</a:t>
+              <a:t>21.12.2016 г.</a:t>
             </a:fld>
             <a:endParaRPr lang="bg-BG"/>
           </a:p>
@@ -479,7 +479,7 @@
           <a:p>
             <a:fld id="{3EA744D9-3FBE-48D8-BF2A-85DF203E4D20}" type="datetimeFigureOut">
               <a:rPr lang="bg-BG" smtClean="0"/>
-              <a:t>6.12.2016 г.</a:t>
+              <a:t>21.12.2016 г.</a:t>
             </a:fld>
             <a:endParaRPr lang="bg-BG"/>
           </a:p>
@@ -659,7 +659,7 @@
           <a:p>
             <a:fld id="{3EA744D9-3FBE-48D8-BF2A-85DF203E4D20}" type="datetimeFigureOut">
               <a:rPr lang="bg-BG" smtClean="0"/>
-              <a:t>6.12.2016 г.</a:t>
+              <a:t>21.12.2016 г.</a:t>
             </a:fld>
             <a:endParaRPr lang="bg-BG"/>
           </a:p>
@@ -829,7 +829,7 @@
           <a:p>
             <a:fld id="{3EA744D9-3FBE-48D8-BF2A-85DF203E4D20}" type="datetimeFigureOut">
               <a:rPr lang="bg-BG" smtClean="0"/>
-              <a:t>6.12.2016 г.</a:t>
+              <a:t>21.12.2016 г.</a:t>
             </a:fld>
             <a:endParaRPr lang="bg-BG"/>
           </a:p>
@@ -1075,7 +1075,7 @@
           <a:p>
             <a:fld id="{3EA744D9-3FBE-48D8-BF2A-85DF203E4D20}" type="datetimeFigureOut">
               <a:rPr lang="bg-BG" smtClean="0"/>
-              <a:t>6.12.2016 г.</a:t>
+              <a:t>21.12.2016 г.</a:t>
             </a:fld>
             <a:endParaRPr lang="bg-BG"/>
           </a:p>
@@ -1363,7 +1363,7 @@
           <a:p>
             <a:fld id="{3EA744D9-3FBE-48D8-BF2A-85DF203E4D20}" type="datetimeFigureOut">
               <a:rPr lang="bg-BG" smtClean="0"/>
-              <a:t>6.12.2016 г.</a:t>
+              <a:t>21.12.2016 г.</a:t>
             </a:fld>
             <a:endParaRPr lang="bg-BG"/>
           </a:p>
@@ -1785,7 +1785,7 @@
           <a:p>
             <a:fld id="{3EA744D9-3FBE-48D8-BF2A-85DF203E4D20}" type="datetimeFigureOut">
               <a:rPr lang="bg-BG" smtClean="0"/>
-              <a:t>6.12.2016 г.</a:t>
+              <a:t>21.12.2016 г.</a:t>
             </a:fld>
             <a:endParaRPr lang="bg-BG"/>
           </a:p>
@@ -1903,7 +1903,7 @@
           <a:p>
             <a:fld id="{3EA744D9-3FBE-48D8-BF2A-85DF203E4D20}" type="datetimeFigureOut">
               <a:rPr lang="bg-BG" smtClean="0"/>
-              <a:t>6.12.2016 г.</a:t>
+              <a:t>21.12.2016 г.</a:t>
             </a:fld>
             <a:endParaRPr lang="bg-BG"/>
           </a:p>
@@ -1998,7 +1998,7 @@
           <a:p>
             <a:fld id="{3EA744D9-3FBE-48D8-BF2A-85DF203E4D20}" type="datetimeFigureOut">
               <a:rPr lang="bg-BG" smtClean="0"/>
-              <a:t>6.12.2016 г.</a:t>
+              <a:t>21.12.2016 г.</a:t>
             </a:fld>
             <a:endParaRPr lang="bg-BG"/>
           </a:p>
@@ -2275,7 +2275,7 @@
           <a:p>
             <a:fld id="{3EA744D9-3FBE-48D8-BF2A-85DF203E4D20}" type="datetimeFigureOut">
               <a:rPr lang="bg-BG" smtClean="0"/>
-              <a:t>6.12.2016 г.</a:t>
+              <a:t>21.12.2016 г.</a:t>
             </a:fld>
             <a:endParaRPr lang="bg-BG"/>
           </a:p>
@@ -2528,7 +2528,7 @@
           <a:p>
             <a:fld id="{3EA744D9-3FBE-48D8-BF2A-85DF203E4D20}" type="datetimeFigureOut">
               <a:rPr lang="bg-BG" smtClean="0"/>
-              <a:t>6.12.2016 г.</a:t>
+              <a:t>21.12.2016 г.</a:t>
             </a:fld>
             <a:endParaRPr lang="bg-BG"/>
           </a:p>
@@ -2750,7 +2750,7 @@
           <a:p>
             <a:fld id="{3EA744D9-3FBE-48D8-BF2A-85DF203E4D20}" type="datetimeFigureOut">
               <a:rPr lang="bg-BG" smtClean="0"/>
-              <a:t>6.12.2016 г.</a:t>
+              <a:t>21.12.2016 г.</a:t>
             </a:fld>
             <a:endParaRPr lang="bg-BG"/>
           </a:p>
@@ -3476,37 +3476,7 @@
                   </a:schemeClr>
                 </a:solidFill>
               </a:rPr>
-              <a:t>Всеки понеделник и </a:t>
-            </a:r>
-            <a:r>
-              <a:rPr lang="bg-BG" dirty="0" smtClean="0">
-                <a:solidFill>
-                  <a:schemeClr val="bg1">
-                    <a:lumMod val="95000"/>
-                  </a:schemeClr>
-                </a:solidFill>
-              </a:rPr>
-              <a:t>сряда</a:t>
-            </a:r>
-            <a:r>
-              <a:rPr lang="bg-BG" dirty="0" smtClean="0">
-                <a:solidFill>
-                  <a:schemeClr val="bg1">
-                    <a:lumMod val="95000"/>
-                  </a:schemeClr>
-                </a:solidFill>
-              </a:rPr>
-              <a:t> </a:t>
-            </a:r>
-            <a:r>
-              <a:rPr lang="bg-BG" dirty="0" smtClean="0">
-                <a:solidFill>
-                  <a:schemeClr val="bg1">
-                    <a:lumMod val="95000"/>
-                  </a:schemeClr>
-                </a:solidFill>
-              </a:rPr>
-              <a:t>19:00 </a:t>
+              <a:t>Всеки понеделник и сряда 19:00 </a:t>
             </a:r>
             <a:r>
               <a:rPr lang="bg-BG" dirty="0">
@@ -3539,47 +3509,27 @@
                   </a:schemeClr>
                 </a:solidFill>
               </a:rPr>
-              <a:t>06</a:t>
-            </a:r>
-            <a:r>
-              <a:rPr lang="bg-BG" dirty="0" smtClean="0">
+              <a:t>06.12. 2016 </a:t>
+            </a:r>
+            <a:r>
+              <a:rPr lang="bg-BG" dirty="0">
                 <a:solidFill>
                   <a:schemeClr val="bg1">
                     <a:lumMod val="95000"/>
                   </a:schemeClr>
                 </a:solidFill>
               </a:rPr>
-              <a:t>.12. 2016 </a:t>
-            </a:r>
-            <a:r>
-              <a:rPr lang="bg-BG" dirty="0">
+              <a:t>– </a:t>
+            </a:r>
+            <a:r>
+              <a:rPr lang="bg-BG" dirty="0" smtClean="0">
                 <a:solidFill>
                   <a:schemeClr val="bg1">
                     <a:lumMod val="95000"/>
                   </a:schemeClr>
                 </a:solidFill>
               </a:rPr>
-              <a:t>– </a:t>
-            </a:r>
-            <a:r>
-              <a:rPr lang="bg-BG" dirty="0" smtClean="0">
-                <a:solidFill>
-                  <a:schemeClr val="bg1">
-                    <a:lumMod val="95000"/>
-                  </a:schemeClr>
-                </a:solidFill>
-              </a:rPr>
-              <a:t>06</a:t>
-            </a:r>
-            <a:r>
-              <a:rPr lang="bg-BG" dirty="0" smtClean="0">
-                <a:solidFill>
-                  <a:schemeClr val="bg1">
-                    <a:lumMod val="95000"/>
-                  </a:schemeClr>
-                </a:solidFill>
-              </a:rPr>
-              <a:t>.</a:t>
+              <a:t>06.</a:t>
             </a:r>
             <a:r>
               <a:rPr lang="en-US" dirty="0" smtClean="0">
@@ -3652,17 +3602,7 @@
                   </a:schemeClr>
                 </a:solidFill>
               </a:rPr>
-              <a:t>08</a:t>
-            </a:r>
-            <a:r>
-              <a:rPr lang="bg-BG" dirty="0" smtClean="0">
-                <a:solidFill>
-                  <a:schemeClr val="bg1">
-                    <a:lumMod val="95000"/>
-                  </a:schemeClr>
-                </a:solidFill>
-              </a:rPr>
-              <a:t>. 02. 2017 </a:t>
+              <a:t>08. 02. 2017 </a:t>
             </a:r>
             <a:r>
               <a:rPr lang="bg-BG" dirty="0">
@@ -3688,7 +3628,7 @@
                   </a:schemeClr>
                 </a:solidFill>
               </a:rPr>
-              <a:t>13</a:t>
+              <a:t>13. </a:t>
             </a:r>
             <a:r>
               <a:rPr lang="bg-BG" dirty="0" smtClean="0">
@@ -3698,27 +3638,17 @@
                   </a:schemeClr>
                 </a:solidFill>
               </a:rPr>
-              <a:t>. </a:t>
-            </a:r>
-            <a:r>
-              <a:rPr lang="bg-BG" dirty="0" smtClean="0">
+              <a:t>0</a:t>
+            </a:r>
+            <a:r>
+              <a:rPr lang="en-US" dirty="0">
                 <a:solidFill>
                   <a:schemeClr val="bg1">
                     <a:lumMod val="95000"/>
                   </a:schemeClr>
                 </a:solidFill>
               </a:rPr>
-              <a:t>0</a:t>
-            </a:r>
-            <a:r>
-              <a:rPr lang="en-US" dirty="0" smtClean="0">
-                <a:solidFill>
-                  <a:schemeClr val="bg1">
-                    <a:lumMod val="95000"/>
-                  </a:schemeClr>
-                </a:solidFill>
-              </a:rPr>
-              <a:t>1</a:t>
+              <a:t>2</a:t>
             </a:r>
             <a:r>
               <a:rPr lang="bg-BG" dirty="0" smtClean="0">
